--- a/ToDo.pptx
+++ b/ToDo.pptx
@@ -259,7 +259,7 @@
           <a:p>
             <a:fld id="{D9198A71-BED9-4C75-8C0D-0ABC879501AC}" type="datetimeFigureOut">
               <a:rPr lang="en-US" smtClean="0"/>
-              <a:t>1/9/2020</a:t>
+              <a:t>1/10/2020</a:t>
             </a:fld>
             <a:endParaRPr lang="en-US"/>
           </a:p>
@@ -457,7 +457,7 @@
           <a:p>
             <a:fld id="{D9198A71-BED9-4C75-8C0D-0ABC879501AC}" type="datetimeFigureOut">
               <a:rPr lang="en-US" smtClean="0"/>
-              <a:t>1/9/2020</a:t>
+              <a:t>1/10/2020</a:t>
             </a:fld>
             <a:endParaRPr lang="en-US"/>
           </a:p>
@@ -665,7 +665,7 @@
           <a:p>
             <a:fld id="{D9198A71-BED9-4C75-8C0D-0ABC879501AC}" type="datetimeFigureOut">
               <a:rPr lang="en-US" smtClean="0"/>
-              <a:t>1/9/2020</a:t>
+              <a:t>1/10/2020</a:t>
             </a:fld>
             <a:endParaRPr lang="en-US"/>
           </a:p>
@@ -863,7 +863,7 @@
           <a:p>
             <a:fld id="{D9198A71-BED9-4C75-8C0D-0ABC879501AC}" type="datetimeFigureOut">
               <a:rPr lang="en-US" smtClean="0"/>
-              <a:t>1/9/2020</a:t>
+              <a:t>1/10/2020</a:t>
             </a:fld>
             <a:endParaRPr lang="en-US"/>
           </a:p>
@@ -1138,7 +1138,7 @@
           <a:p>
             <a:fld id="{D9198A71-BED9-4C75-8C0D-0ABC879501AC}" type="datetimeFigureOut">
               <a:rPr lang="en-US" smtClean="0"/>
-              <a:t>1/9/2020</a:t>
+              <a:t>1/10/2020</a:t>
             </a:fld>
             <a:endParaRPr lang="en-US"/>
           </a:p>
@@ -1403,7 +1403,7 @@
           <a:p>
             <a:fld id="{D9198A71-BED9-4C75-8C0D-0ABC879501AC}" type="datetimeFigureOut">
               <a:rPr lang="en-US" smtClean="0"/>
-              <a:t>1/9/2020</a:t>
+              <a:t>1/10/2020</a:t>
             </a:fld>
             <a:endParaRPr lang="en-US"/>
           </a:p>
@@ -1815,7 +1815,7 @@
           <a:p>
             <a:fld id="{D9198A71-BED9-4C75-8C0D-0ABC879501AC}" type="datetimeFigureOut">
               <a:rPr lang="en-US" smtClean="0"/>
-              <a:t>1/9/2020</a:t>
+              <a:t>1/10/2020</a:t>
             </a:fld>
             <a:endParaRPr lang="en-US"/>
           </a:p>
@@ -1956,7 +1956,7 @@
           <a:p>
             <a:fld id="{D9198A71-BED9-4C75-8C0D-0ABC879501AC}" type="datetimeFigureOut">
               <a:rPr lang="en-US" smtClean="0"/>
-              <a:t>1/9/2020</a:t>
+              <a:t>1/10/2020</a:t>
             </a:fld>
             <a:endParaRPr lang="en-US"/>
           </a:p>
@@ -2069,7 +2069,7 @@
           <a:p>
             <a:fld id="{D9198A71-BED9-4C75-8C0D-0ABC879501AC}" type="datetimeFigureOut">
               <a:rPr lang="en-US" smtClean="0"/>
-              <a:t>1/9/2020</a:t>
+              <a:t>1/10/2020</a:t>
             </a:fld>
             <a:endParaRPr lang="en-US"/>
           </a:p>
@@ -2380,7 +2380,7 @@
           <a:p>
             <a:fld id="{D9198A71-BED9-4C75-8C0D-0ABC879501AC}" type="datetimeFigureOut">
               <a:rPr lang="en-US" smtClean="0"/>
-              <a:t>1/9/2020</a:t>
+              <a:t>1/10/2020</a:t>
             </a:fld>
             <a:endParaRPr lang="en-US"/>
           </a:p>
@@ -2668,7 +2668,7 @@
           <a:p>
             <a:fld id="{D9198A71-BED9-4C75-8C0D-0ABC879501AC}" type="datetimeFigureOut">
               <a:rPr lang="en-US" smtClean="0"/>
-              <a:t>1/9/2020</a:t>
+              <a:t>1/10/2020</a:t>
             </a:fld>
             <a:endParaRPr lang="en-US"/>
           </a:p>
@@ -2909,7 +2909,7 @@
           <a:p>
             <a:fld id="{D9198A71-BED9-4C75-8C0D-0ABC879501AC}" type="datetimeFigureOut">
               <a:rPr lang="en-US" smtClean="0"/>
-              <a:t>1/9/2020</a:t>
+              <a:t>1/10/2020</a:t>
             </a:fld>
             <a:endParaRPr lang="en-US"/>
           </a:p>
@@ -3341,7 +3341,7 @@
         <p:spPr>
           <a:xfrm>
             <a:off x="0" y="0"/>
-            <a:ext cx="3851564" cy="4408899"/>
+            <a:ext cx="3851564" cy="5024452"/>
           </a:xfrm>
           <a:prstGeom prst="rect">
             <a:avLst/>
@@ -3589,6 +3589,31 @@
               <a:rPr lang="en-US" sz="1200" b="1" u="sng">
                 <a:latin typeface="Roboto" panose="02000000000000000000" pitchFamily="2" charset="0"/>
               </a:rPr>
+              <a:t>RUST</a:t>
+            </a:r>
+          </a:p>
+          <a:p>
+            <a:pPr marL="171450" indent="-171450">
+              <a:buFont typeface="Arial" panose="020B0604020202020204" pitchFamily="34" charset="0"/>
+              <a:buChar char="•"/>
+            </a:pPr>
+            <a:r>
+              <a:rPr lang="en-US" sz="1050">
+                <a:latin typeface="Roboto" panose="02000000000000000000" pitchFamily="2" charset="0"/>
+              </a:rPr>
+              <a:t>Do the tutorial</a:t>
+            </a:r>
+          </a:p>
+          <a:p>
+            <a:endParaRPr lang="en-US" sz="1200">
+              <a:latin typeface="Roboto" panose="02000000000000000000" pitchFamily="2" charset="0"/>
+            </a:endParaRPr>
+          </a:p>
+          <a:p>
+            <a:r>
+              <a:rPr lang="en-US" sz="1200" b="1" u="sng">
+                <a:latin typeface="Roboto" panose="02000000000000000000" pitchFamily="2" charset="0"/>
+              </a:rPr>
               <a:t>APPS</a:t>
             </a:r>
           </a:p>
@@ -3618,6 +3643,20 @@
                 <a:cs typeface="Roboto" panose="02000000000000000000" pitchFamily="2" charset="0"/>
               </a:rPr>
               <a:t>vdot </a:t>
+            </a:r>
+          </a:p>
+          <a:p>
+            <a:pPr marL="285750" indent="-285750">
+              <a:buFont typeface="Arial" panose="020B0604020202020204" pitchFamily="34" charset="0"/>
+              <a:buChar char="•"/>
+            </a:pPr>
+            <a:r>
+              <a:rPr lang="en-US" sz="1050">
+                <a:latin typeface="Roboto" panose="02000000000000000000" pitchFamily="2" charset="0"/>
+                <a:ea typeface="Roboto" panose="02000000000000000000" pitchFamily="2" charset="0"/>
+                <a:cs typeface="Roboto" panose="02000000000000000000" pitchFamily="2" charset="0"/>
+              </a:rPr>
+              <a:t>Brackets sports, ping pong</a:t>
             </a:r>
           </a:p>
           <a:p>
